--- a/g2/Class03/Class03.pptx
+++ b/g2/Class03/Class03.pptx
@@ -227,7 +227,7 @@
           <a:p>
             <a:fld id="{AA2EB8D1-A2F7-6448-B23C-34B9EBC206B7}" type="datetimeFigureOut">
               <a:rPr lang="x-none" smtClean="0"/>
-              <a:t>6/7/2024</a:t>
+              <a:t>6/8/2024</a:t>
             </a:fld>
             <a:endParaRPr lang="x-none"/>
           </a:p>
@@ -26102,7 +26102,7 @@
             <a:r>
               <a:rPr lang="en-US" sz="2400" dirty="0">
                 <a:solidFill>
-                  <a:schemeClr val="tx1"/>
+                  <a:schemeClr val="bg1"/>
                 </a:solidFill>
                 <a:latin typeface="Roboto"/>
                 <a:ea typeface="Roboto"/>
@@ -26114,7 +26114,7 @@
             <a:r>
               <a:rPr lang="en-US" sz="2400" dirty="0" err="1">
                 <a:solidFill>
-                  <a:schemeClr val="tx1"/>
+                  <a:schemeClr val="bg1"/>
                 </a:solidFill>
                 <a:latin typeface="Roboto"/>
                 <a:ea typeface="Roboto"/>
@@ -26126,7 +26126,7 @@
             <a:r>
               <a:rPr lang="en-US" sz="2400" dirty="0">
                 <a:solidFill>
-                  <a:schemeClr val="tx1"/>
+                  <a:schemeClr val="bg1"/>
                 </a:solidFill>
                 <a:latin typeface="Roboto"/>
                 <a:ea typeface="Roboto"/>
@@ -26152,7 +26152,7 @@
             <a:r>
               <a:rPr lang="en-US" sz="2400" dirty="0">
                 <a:solidFill>
-                  <a:schemeClr val="tx1"/>
+                  <a:schemeClr val="bg1"/>
                 </a:solidFill>
                 <a:latin typeface="Roboto"/>
                 <a:ea typeface="Roboto"/>
@@ -26164,7 +26164,7 @@
             <a:r>
               <a:rPr lang="en-US" sz="2400" dirty="0" err="1">
                 <a:solidFill>
-                  <a:schemeClr val="tx1"/>
+                  <a:schemeClr val="bg1"/>
                 </a:solidFill>
                 <a:latin typeface="Roboto"/>
                 <a:ea typeface="Roboto"/>
@@ -26176,7 +26176,7 @@
             <a:r>
               <a:rPr lang="en-US" sz="2400" dirty="0">
                 <a:solidFill>
-                  <a:schemeClr val="tx1"/>
+                  <a:schemeClr val="bg1"/>
                 </a:solidFill>
                 <a:latin typeface="Roboto"/>
                 <a:ea typeface="Roboto"/>
@@ -26202,7 +26202,7 @@
             <a:r>
               <a:rPr lang="en-US" sz="2400" dirty="0">
                 <a:solidFill>
-                  <a:schemeClr val="tx1"/>
+                  <a:schemeClr val="bg1"/>
                 </a:solidFill>
                 <a:latin typeface="Roboto"/>
                 <a:ea typeface="Roboto"/>
@@ -26230,7 +26230,7 @@
             <a:r>
               <a:rPr lang="en-US" sz="1800" dirty="0">
                 <a:solidFill>
-                  <a:schemeClr val="tx1"/>
+                  <a:schemeClr val="bg1"/>
                 </a:solidFill>
                 <a:latin typeface="Roboto"/>
                 <a:ea typeface="Roboto"/>
@@ -26258,7 +26258,7 @@
             <a:r>
               <a:rPr lang="en-US" sz="1800" dirty="0">
                 <a:solidFill>
-                  <a:schemeClr val="tx1"/>
+                  <a:schemeClr val="bg1"/>
                 </a:solidFill>
                 <a:latin typeface="Roboto"/>
                 <a:ea typeface="Roboto"/>
@@ -26286,7 +26286,7 @@
             <a:r>
               <a:rPr lang="en-US" sz="1800" dirty="0">
                 <a:solidFill>
-                  <a:schemeClr val="tx1"/>
+                  <a:schemeClr val="bg1"/>
                 </a:solidFill>
                 <a:latin typeface="Roboto"/>
                 <a:ea typeface="Roboto"/>
@@ -26314,7 +26314,7 @@
             <a:r>
               <a:rPr lang="en-US" sz="1800" dirty="0">
                 <a:solidFill>
-                  <a:schemeClr val="tx1"/>
+                  <a:schemeClr val="bg1"/>
                 </a:solidFill>
                 <a:latin typeface="Roboto"/>
                 <a:ea typeface="Roboto"/>
@@ -26342,7 +26342,7 @@
             <a:r>
               <a:rPr lang="en-US" sz="1800" dirty="0">
                 <a:solidFill>
-                  <a:schemeClr val="tx1"/>
+                  <a:schemeClr val="bg1"/>
                 </a:solidFill>
                 <a:latin typeface="Roboto"/>
                 <a:ea typeface="Roboto"/>
@@ -26369,7 +26369,7 @@
             </a:pPr>
             <a:endParaRPr lang="en-US" sz="2100" dirty="0">
               <a:solidFill>
-                <a:schemeClr val="tx1"/>
+                <a:schemeClr val="bg1"/>
               </a:solidFill>
               <a:latin typeface="Roboto"/>
               <a:ea typeface="Roboto"/>
@@ -26392,7 +26392,7 @@
             </a:pPr>
             <a:endParaRPr lang="en-US" sz="2800" dirty="0">
               <a:solidFill>
-                <a:schemeClr val="tx1"/>
+                <a:schemeClr val="bg1"/>
               </a:solidFill>
               <a:latin typeface="Roboto"/>
               <a:ea typeface="Roboto"/>
@@ -27484,6 +27484,12 @@
 </file>
 
 <file path=customXml/item1.xml><?xml version="1.0" encoding="utf-8"?>
+<p:properties xmlns:p="http://schemas.microsoft.com/office/2006/metadata/properties" xmlns:xsi="http://www.w3.org/2001/XMLSchema-instance" xmlns:pc="http://schemas.microsoft.com/office/infopath/2007/PartnerControls">
+  <documentManagement/>
+</p:properties>
+</file>
+
+<file path=customXml/item2.xml><?xml version="1.0" encoding="utf-8"?>
 <ct:contentTypeSchema xmlns:ct="http://schemas.microsoft.com/office/2006/metadata/contentType" xmlns:ma="http://schemas.microsoft.com/office/2006/metadata/properties/metaAttributes" ct:_="" ma:_="" ma:contentTypeName="Document" ma:contentTypeID="0x0101009F8FB89D230DCC42BDD843F1B245BD7C" ma:contentTypeVersion="5" ma:contentTypeDescription="Create a new document." ma:contentTypeScope="" ma:versionID="dc5c918a3d43d4b71f7c3e546b28501e">
   <xsd:schema xmlns:xsd="http://www.w3.org/2001/XMLSchema" xmlns:xs="http://www.w3.org/2001/XMLSchema" xmlns:p="http://schemas.microsoft.com/office/2006/metadata/properties" xmlns:ns2="6b73ce5a-f2a1-4cf4-8171-3a71a0a85190" xmlns:ns3="2c4bccb4-1ba2-4bfe-9f28-22789556bff1" targetNamespace="http://schemas.microsoft.com/office/2006/metadata/properties" ma:root="true" ma:fieldsID="0002f2178cbcb7c00a5d488d31cbad9d" ns2:_="" ns3:_="">
     <xsd:import namespace="6b73ce5a-f2a1-4cf4-8171-3a71a0a85190"/>
@@ -27654,12 +27660,6 @@
 </ct:contentTypeSchema>
 </file>
 
-<file path=customXml/item2.xml><?xml version="1.0" encoding="utf-8"?>
-<p:properties xmlns:p="http://schemas.microsoft.com/office/2006/metadata/properties" xmlns:xsi="http://www.w3.org/2001/XMLSchema-instance" xmlns:pc="http://schemas.microsoft.com/office/infopath/2007/PartnerControls">
-  <documentManagement/>
-</p:properties>
-</file>
-
 <file path=customXml/item3.xml><?xml version="1.0" encoding="utf-8"?>
 <?mso-contentType ?>
 <FormTemplates xmlns="http://schemas.microsoft.com/sharepoint/v3/contenttype/forms">
@@ -27670,6 +27670,23 @@
 </file>
 
 <file path=customXml/itemProps1.xml><?xml version="1.0" encoding="utf-8"?>
+<ds:datastoreItem xmlns:ds="http://schemas.openxmlformats.org/officeDocument/2006/customXml" ds:itemID="{B7A0CE2E-BC93-4D7C-9869-13C7D782BEAC}">
+  <ds:schemaRefs>
+    <ds:schemaRef ds:uri="http://purl.org/dc/terms/"/>
+    <ds:schemaRef ds:uri="http://schemas.openxmlformats.org/package/2006/metadata/core-properties"/>
+    <ds:schemaRef ds:uri="http://purl.org/dc/dcmitype/"/>
+    <ds:schemaRef ds:uri="http://schemas.microsoft.com/office/infopath/2007/PartnerControls"/>
+    <ds:schemaRef ds:uri="http://schemas.microsoft.com/office/2006/documentManagement/types"/>
+    <ds:schemaRef ds:uri="http://purl.org/dc/elements/1.1/"/>
+    <ds:schemaRef ds:uri="http://schemas.microsoft.com/office/2006/metadata/properties"/>
+    <ds:schemaRef ds:uri="2c4bccb4-1ba2-4bfe-9f28-22789556bff1"/>
+    <ds:schemaRef ds:uri="6b73ce5a-f2a1-4cf4-8171-3a71a0a85190"/>
+    <ds:schemaRef ds:uri="http://www.w3.org/XML/1998/namespace"/>
+  </ds:schemaRefs>
+</ds:datastoreItem>
+</file>
+
+<file path=customXml/itemProps2.xml><?xml version="1.0" encoding="utf-8"?>
 <ds:datastoreItem xmlns:ds="http://schemas.openxmlformats.org/officeDocument/2006/customXml" ds:itemID="{4DA364C0-398C-498E-AE6A-331B2F0D0564}">
   <ds:schemaRefs>
     <ds:schemaRef ds:uri="http://schemas.microsoft.com/office/2006/metadata/contentType"/>
@@ -27688,23 +27705,6 @@
 </ds:datastoreItem>
 </file>
 
-<file path=customXml/itemProps2.xml><?xml version="1.0" encoding="utf-8"?>
-<ds:datastoreItem xmlns:ds="http://schemas.openxmlformats.org/officeDocument/2006/customXml" ds:itemID="{B7A0CE2E-BC93-4D7C-9869-13C7D782BEAC}">
-  <ds:schemaRefs>
-    <ds:schemaRef ds:uri="http://purl.org/dc/terms/"/>
-    <ds:schemaRef ds:uri="http://schemas.openxmlformats.org/package/2006/metadata/core-properties"/>
-    <ds:schemaRef ds:uri="http://purl.org/dc/dcmitype/"/>
-    <ds:schemaRef ds:uri="http://schemas.microsoft.com/office/infopath/2007/PartnerControls"/>
-    <ds:schemaRef ds:uri="http://schemas.microsoft.com/office/2006/documentManagement/types"/>
-    <ds:schemaRef ds:uri="http://purl.org/dc/elements/1.1/"/>
-    <ds:schemaRef ds:uri="http://schemas.microsoft.com/office/2006/metadata/properties"/>
-    <ds:schemaRef ds:uri="2c4bccb4-1ba2-4bfe-9f28-22789556bff1"/>
-    <ds:schemaRef ds:uri="6b73ce5a-f2a1-4cf4-8171-3a71a0a85190"/>
-    <ds:schemaRef ds:uri="http://www.w3.org/XML/1998/namespace"/>
-  </ds:schemaRefs>
-</ds:datastoreItem>
-</file>
-
 <file path=customXml/itemProps3.xml><?xml version="1.0" encoding="utf-8"?>
 <ds:datastoreItem xmlns:ds="http://schemas.openxmlformats.org/officeDocument/2006/customXml" ds:itemID="{BFB14AAD-E32E-4304-88A7-F7C4DB51B134}">
   <ds:schemaRefs>
